--- a/GUIOpgave/SWD Presentation BadBois/SWD BadBoi.pptx
+++ b/GUIOpgave/SWD Presentation BadBois/SWD BadBoi.pptx
@@ -5,7 +5,7 @@
     <p:sldMasterId id="2147484038" r:id="rId1"/>
   </p:sldMasterIdLst>
   <p:notesMasterIdLst>
-    <p:notesMasterId r:id="rId13"/>
+    <p:notesMasterId r:id="rId14"/>
   </p:notesMasterIdLst>
   <p:sldIdLst>
     <p:sldId id="256" r:id="rId2"/>
@@ -19,6 +19,7 @@
     <p:sldId id="259" r:id="rId10"/>
     <p:sldId id="266" r:id="rId11"/>
     <p:sldId id="267" r:id="rId12"/>
+    <p:sldId id="268" r:id="rId13"/>
   </p:sldIdLst>
   <p:sldSz cx="12192000" cy="6858000"/>
   <p:notesSz cx="6858000" cy="9144000"/>
@@ -117,6 +118,11 @@
       </a:defRPr>
     </a:lvl9pPr>
   </p:defaultTextStyle>
+  <p:extLst>
+    <p:ext uri="{EFAFB233-063F-42B5-8137-9DF3F51BA10A}">
+      <p15:sldGuideLst xmlns:p15="http://schemas.microsoft.com/office/powerpoint/2012/main"/>
+    </p:ext>
+  </p:extLst>
 </p:presentation>
 </file>
 
@@ -202,7 +208,7 @@
           <a:p>
             <a:fld id="{C7A9A63E-E0FB-448B-B577-A4EAE35BEEF2}" type="datetimeFigureOut">
               <a:rPr lang="da-DK" smtClean="0"/>
-              <a:t>25-10-2016</a:t>
+              <a:t>27-10-2016</a:t>
             </a:fld>
             <a:endParaRPr lang="da-DK"/>
           </a:p>
@@ -297,7 +303,6 @@
               <a:rPr lang="da-DK"/>
               <a:t>Femte niveau</a:t>
             </a:r>
-            <a:endParaRPr lang="da-DK"/>
           </a:p>
         </p:txBody>
       </p:sp>
@@ -611,7 +616,7 @@
           <a:noFill/>
           <a:extLst>
             <a:ext uri="{909E8E84-426E-40dd-AFC4-6F175D3DCCD1}">
-              <a14:hiddenFill xmlns:a14="http://schemas.microsoft.com/office/drawing/2010/main" xmlns="">
+              <a14:hiddenFill xmlns="" xmlns:a14="http://schemas.microsoft.com/office/drawing/2010/main">
                 <a:solidFill>
                   <a:srgbClr val="FFFFFF"/>
                 </a:solidFill>
@@ -671,7 +676,7 @@
             </a:ln>
             <a:extLst>
               <a:ext uri="{91240B29-F687-4f45-9708-019B960494DF}">
-                <a14:hiddenLine xmlns:a14="http://schemas.microsoft.com/office/drawing/2010/main" xmlns="" w="9525">
+                <a14:hiddenLine xmlns="" xmlns:a14="http://schemas.microsoft.com/office/drawing/2010/main" w="9525">
                   <a:solidFill>
                     <a:srgbClr val="000000"/>
                   </a:solidFill>
@@ -761,7 +766,7 @@
             </a:ln>
             <a:extLst>
               <a:ext uri="{91240B29-F687-4f45-9708-019B960494DF}">
-                <a14:hiddenLine xmlns:a14="http://schemas.microsoft.com/office/drawing/2010/main" xmlns="" w="9525">
+                <a14:hiddenLine xmlns="" xmlns:a14="http://schemas.microsoft.com/office/drawing/2010/main" w="9525">
                   <a:solidFill>
                     <a:srgbClr val="000000"/>
                   </a:solidFill>
@@ -851,7 +856,7 @@
             </a:ln>
             <a:extLst>
               <a:ext uri="{91240B29-F687-4f45-9708-019B960494DF}">
-                <a14:hiddenLine xmlns:a14="http://schemas.microsoft.com/office/drawing/2010/main" xmlns="" w="9525">
+                <a14:hiddenLine xmlns="" xmlns:a14="http://schemas.microsoft.com/office/drawing/2010/main" w="9525">
                   <a:solidFill>
                     <a:srgbClr val="000000"/>
                   </a:solidFill>
@@ -885,7 +890,7 @@
             </a:ln>
             <a:extLst>
               <a:ext uri="{91240B29-F687-4f45-9708-019B960494DF}">
-                <a14:hiddenLine xmlns:a14="http://schemas.microsoft.com/office/drawing/2010/main" xmlns="" w="9525">
+                <a14:hiddenLine xmlns="" xmlns:a14="http://schemas.microsoft.com/office/drawing/2010/main" w="9525">
                   <a:solidFill>
                     <a:srgbClr val="000000"/>
                   </a:solidFill>
@@ -975,7 +980,7 @@
             </a:ln>
             <a:extLst>
               <a:ext uri="{91240B29-F687-4f45-9708-019B960494DF}">
-                <a14:hiddenLine xmlns:a14="http://schemas.microsoft.com/office/drawing/2010/main" xmlns="" w="9525">
+                <a14:hiddenLine xmlns="" xmlns:a14="http://schemas.microsoft.com/office/drawing/2010/main" w="9525">
                   <a:solidFill>
                     <a:srgbClr val="000000"/>
                   </a:solidFill>
@@ -1037,7 +1042,7 @@
             </a:ln>
             <a:extLst>
               <a:ext uri="{91240B29-F687-4f45-9708-019B960494DF}">
-                <a14:hiddenLine xmlns:a14="http://schemas.microsoft.com/office/drawing/2010/main" xmlns="" w="9525">
+                <a14:hiddenLine xmlns="" xmlns:a14="http://schemas.microsoft.com/office/drawing/2010/main" w="9525">
                   <a:solidFill>
                     <a:srgbClr val="000000"/>
                   </a:solidFill>
@@ -1099,7 +1104,7 @@
             </a:ln>
             <a:extLst>
               <a:ext uri="{91240B29-F687-4f45-9708-019B960494DF}">
-                <a14:hiddenLine xmlns:a14="http://schemas.microsoft.com/office/drawing/2010/main" xmlns="" w="9525">
+                <a14:hiddenLine xmlns="" xmlns:a14="http://schemas.microsoft.com/office/drawing/2010/main" w="9525">
                   <a:solidFill>
                     <a:srgbClr val="000000"/>
                   </a:solidFill>
@@ -1189,7 +1194,7 @@
             </a:ln>
             <a:extLst>
               <a:ext uri="{91240B29-F687-4f45-9708-019B960494DF}">
-                <a14:hiddenLine xmlns:a14="http://schemas.microsoft.com/office/drawing/2010/main" xmlns="" w="9525">
+                <a14:hiddenLine xmlns="" xmlns:a14="http://schemas.microsoft.com/office/drawing/2010/main" w="9525">
                   <a:solidFill>
                     <a:srgbClr val="000000"/>
                   </a:solidFill>
@@ -1251,7 +1256,7 @@
             </a:ln>
             <a:extLst>
               <a:ext uri="{91240B29-F687-4f45-9708-019B960494DF}">
-                <a14:hiddenLine xmlns:a14="http://schemas.microsoft.com/office/drawing/2010/main" xmlns="" w="9525">
+                <a14:hiddenLine xmlns="" xmlns:a14="http://schemas.microsoft.com/office/drawing/2010/main" w="9525">
                   <a:solidFill>
                     <a:srgbClr val="000000"/>
                   </a:solidFill>
@@ -1313,7 +1318,7 @@
             </a:ln>
             <a:extLst>
               <a:ext uri="{91240B29-F687-4f45-9708-019B960494DF}">
-                <a14:hiddenLine xmlns:a14="http://schemas.microsoft.com/office/drawing/2010/main" xmlns="" w="9525">
+                <a14:hiddenLine xmlns="" xmlns:a14="http://schemas.microsoft.com/office/drawing/2010/main" w="9525">
                   <a:solidFill>
                     <a:srgbClr val="000000"/>
                   </a:solidFill>
@@ -1403,7 +1408,7 @@
             </a:ln>
             <a:extLst>
               <a:ext uri="{91240B29-F687-4f45-9708-019B960494DF}">
-                <a14:hiddenLine xmlns:a14="http://schemas.microsoft.com/office/drawing/2010/main" xmlns="" w="9525">
+                <a14:hiddenLine xmlns="" xmlns:a14="http://schemas.microsoft.com/office/drawing/2010/main" w="9525">
                   <a:solidFill>
                     <a:srgbClr val="000000"/>
                   </a:solidFill>
@@ -1493,7 +1498,7 @@
             </a:ln>
             <a:extLst>
               <a:ext uri="{91240B29-F687-4f45-9708-019B960494DF}">
-                <a14:hiddenLine xmlns:a14="http://schemas.microsoft.com/office/drawing/2010/main" xmlns="" w="9525">
+                <a14:hiddenLine xmlns="" xmlns:a14="http://schemas.microsoft.com/office/drawing/2010/main" w="9525">
                   <a:solidFill>
                     <a:srgbClr val="000000"/>
                   </a:solidFill>
@@ -1555,7 +1560,7 @@
             </a:ln>
             <a:extLst>
               <a:ext uri="{91240B29-F687-4f45-9708-019B960494DF}">
-                <a14:hiddenLine xmlns:a14="http://schemas.microsoft.com/office/drawing/2010/main" xmlns="" w="9525">
+                <a14:hiddenLine xmlns="" xmlns:a14="http://schemas.microsoft.com/office/drawing/2010/main" w="9525">
                   <a:solidFill>
                     <a:srgbClr val="000000"/>
                   </a:solidFill>
@@ -1665,7 +1670,7 @@
             </a:ln>
             <a:extLst>
               <a:ext uri="{91240B29-F687-4f45-9708-019B960494DF}">
-                <a14:hiddenLine xmlns:a14="http://schemas.microsoft.com/office/drawing/2010/main" xmlns="" w="9525">
+                <a14:hiddenLine xmlns="" xmlns:a14="http://schemas.microsoft.com/office/drawing/2010/main" w="9525">
                   <a:solidFill>
                     <a:srgbClr val="000000"/>
                   </a:solidFill>
@@ -1727,7 +1732,7 @@
             </a:ln>
             <a:extLst>
               <a:ext uri="{91240B29-F687-4f45-9708-019B960494DF}">
-                <a14:hiddenLine xmlns:a14="http://schemas.microsoft.com/office/drawing/2010/main" xmlns="" w="9525">
+                <a14:hiddenLine xmlns="" xmlns:a14="http://schemas.microsoft.com/office/drawing/2010/main" w="9525">
                   <a:solidFill>
                     <a:srgbClr val="000000"/>
                   </a:solidFill>
@@ -1817,7 +1822,7 @@
             </a:ln>
             <a:extLst>
               <a:ext uri="{91240B29-F687-4f45-9708-019B960494DF}">
-                <a14:hiddenLine xmlns:a14="http://schemas.microsoft.com/office/drawing/2010/main" xmlns="" w="9525">
+                <a14:hiddenLine xmlns="" xmlns:a14="http://schemas.microsoft.com/office/drawing/2010/main" w="9525">
                   <a:solidFill>
                     <a:srgbClr val="000000"/>
                   </a:solidFill>
@@ -1907,7 +1912,7 @@
             </a:ln>
             <a:extLst>
               <a:ext uri="{91240B29-F687-4f45-9708-019B960494DF}">
-                <a14:hiddenLine xmlns:a14="http://schemas.microsoft.com/office/drawing/2010/main" xmlns="" w="9525">
+                <a14:hiddenLine xmlns="" xmlns:a14="http://schemas.microsoft.com/office/drawing/2010/main" w="9525">
                   <a:solidFill>
                     <a:srgbClr val="000000"/>
                   </a:solidFill>
@@ -1969,7 +1974,7 @@
             </a:ln>
             <a:extLst>
               <a:ext uri="{91240B29-F687-4f45-9708-019B960494DF}">
-                <a14:hiddenLine xmlns:a14="http://schemas.microsoft.com/office/drawing/2010/main" xmlns="" w="9525">
+                <a14:hiddenLine xmlns="" xmlns:a14="http://schemas.microsoft.com/office/drawing/2010/main" w="9525">
                   <a:solidFill>
                     <a:srgbClr val="000000"/>
                   </a:solidFill>
@@ -2059,7 +2064,7 @@
             </a:ln>
             <a:extLst>
               <a:ext uri="{91240B29-F687-4f45-9708-019B960494DF}">
-                <a14:hiddenLine xmlns:a14="http://schemas.microsoft.com/office/drawing/2010/main" xmlns="" w="9525">
+                <a14:hiddenLine xmlns="" xmlns:a14="http://schemas.microsoft.com/office/drawing/2010/main" w="9525">
                   <a:solidFill>
                     <a:srgbClr val="000000"/>
                   </a:solidFill>
@@ -2149,7 +2154,7 @@
             </a:ln>
             <a:extLst>
               <a:ext uri="{91240B29-F687-4f45-9708-019B960494DF}">
-                <a14:hiddenLine xmlns:a14="http://schemas.microsoft.com/office/drawing/2010/main" xmlns="" w="9525">
+                <a14:hiddenLine xmlns="" xmlns:a14="http://schemas.microsoft.com/office/drawing/2010/main" w="9525">
                   <a:solidFill>
                     <a:srgbClr val="000000"/>
                   </a:solidFill>
@@ -2205,7 +2210,7 @@
             </a:ln>
             <a:extLst>
               <a:ext uri="{91240B29-F687-4f45-9708-019B960494DF}">
-                <a14:hiddenLine xmlns:a14="http://schemas.microsoft.com/office/drawing/2010/main" xmlns="" w="9525">
+                <a14:hiddenLine xmlns="" xmlns:a14="http://schemas.microsoft.com/office/drawing/2010/main" w="9525">
                   <a:solidFill>
                     <a:srgbClr val="000000"/>
                   </a:solidFill>
@@ -2295,7 +2300,7 @@
             </a:ln>
             <a:extLst>
               <a:ext uri="{91240B29-F687-4f45-9708-019B960494DF}">
-                <a14:hiddenLine xmlns:a14="http://schemas.microsoft.com/office/drawing/2010/main" xmlns="" w="9525">
+                <a14:hiddenLine xmlns="" xmlns:a14="http://schemas.microsoft.com/office/drawing/2010/main" w="9525">
                   <a:solidFill>
                     <a:srgbClr val="000000"/>
                   </a:solidFill>
@@ -2351,7 +2356,7 @@
             </a:ln>
             <a:extLst>
               <a:ext uri="{91240B29-F687-4f45-9708-019B960494DF}">
-                <a14:hiddenLine xmlns:a14="http://schemas.microsoft.com/office/drawing/2010/main" xmlns="" w="9525">
+                <a14:hiddenLine xmlns="" xmlns:a14="http://schemas.microsoft.com/office/drawing/2010/main" w="9525">
                   <a:solidFill>
                     <a:srgbClr val="000000"/>
                   </a:solidFill>
@@ -2441,7 +2446,7 @@
             </a:ln>
             <a:extLst>
               <a:ext uri="{91240B29-F687-4f45-9708-019B960494DF}">
-                <a14:hiddenLine xmlns:a14="http://schemas.microsoft.com/office/drawing/2010/main" xmlns="" w="9525">
+                <a14:hiddenLine xmlns="" xmlns:a14="http://schemas.microsoft.com/office/drawing/2010/main" w="9525">
                   <a:solidFill>
                     <a:srgbClr val="000000"/>
                   </a:solidFill>
@@ -2509,7 +2514,7 @@
             </a:ln>
             <a:extLst>
               <a:ext uri="{91240B29-F687-4f45-9708-019B960494DF}">
-                <a14:hiddenLine xmlns:a14="http://schemas.microsoft.com/office/drawing/2010/main" xmlns="" w="9525">
+                <a14:hiddenLine xmlns="" xmlns:a14="http://schemas.microsoft.com/office/drawing/2010/main" w="9525">
                   <a:solidFill>
                     <a:srgbClr val="000000"/>
                   </a:solidFill>
@@ -2599,7 +2604,7 @@
             </a:ln>
             <a:extLst>
               <a:ext uri="{91240B29-F687-4f45-9708-019B960494DF}">
-                <a14:hiddenLine xmlns:a14="http://schemas.microsoft.com/office/drawing/2010/main" xmlns="" w="9525">
+                <a14:hiddenLine xmlns="" xmlns:a14="http://schemas.microsoft.com/office/drawing/2010/main" w="9525">
                   <a:solidFill>
                     <a:srgbClr val="000000"/>
                   </a:solidFill>
@@ -2667,7 +2672,7 @@
             </a:ln>
             <a:extLst>
               <a:ext uri="{91240B29-F687-4f45-9708-019B960494DF}">
-                <a14:hiddenLine xmlns:a14="http://schemas.microsoft.com/office/drawing/2010/main" xmlns="" w="9525">
+                <a14:hiddenLine xmlns="" xmlns:a14="http://schemas.microsoft.com/office/drawing/2010/main" w="9525">
                   <a:solidFill>
                     <a:srgbClr val="000000"/>
                   </a:solidFill>
@@ -2757,7 +2762,7 @@
             </a:ln>
             <a:extLst>
               <a:ext uri="{91240B29-F687-4f45-9708-019B960494DF}">
-                <a14:hiddenLine xmlns:a14="http://schemas.microsoft.com/office/drawing/2010/main" xmlns="" w="9525">
+                <a14:hiddenLine xmlns="" xmlns:a14="http://schemas.microsoft.com/office/drawing/2010/main" w="9525">
                   <a:solidFill>
                     <a:srgbClr val="000000"/>
                   </a:solidFill>
@@ -2791,7 +2796,7 @@
             </a:ln>
             <a:extLst>
               <a:ext uri="{91240B29-F687-4f45-9708-019B960494DF}">
-                <a14:hiddenLine xmlns:a14="http://schemas.microsoft.com/office/drawing/2010/main" xmlns="" w="9525">
+                <a14:hiddenLine xmlns="" xmlns:a14="http://schemas.microsoft.com/office/drawing/2010/main" w="9525">
                   <a:solidFill>
                     <a:srgbClr val="000000"/>
                   </a:solidFill>
@@ -2881,7 +2886,7 @@
             </a:ln>
             <a:extLst>
               <a:ext uri="{91240B29-F687-4f45-9708-019B960494DF}">
-                <a14:hiddenLine xmlns:a14="http://schemas.microsoft.com/office/drawing/2010/main" xmlns="" w="9525">
+                <a14:hiddenLine xmlns="" xmlns:a14="http://schemas.microsoft.com/office/drawing/2010/main" w="9525">
                   <a:solidFill>
                     <a:srgbClr val="000000"/>
                   </a:solidFill>
@@ -2943,7 +2948,7 @@
             </a:ln>
             <a:extLst>
               <a:ext uri="{91240B29-F687-4f45-9708-019B960494DF}">
-                <a14:hiddenLine xmlns:a14="http://schemas.microsoft.com/office/drawing/2010/main" xmlns="" w="9525">
+                <a14:hiddenLine xmlns="" xmlns:a14="http://schemas.microsoft.com/office/drawing/2010/main" w="9525">
                   <a:solidFill>
                     <a:srgbClr val="000000"/>
                   </a:solidFill>
@@ -3005,7 +3010,7 @@
             </a:ln>
             <a:extLst>
               <a:ext uri="{91240B29-F687-4f45-9708-019B960494DF}">
-                <a14:hiddenLine xmlns:a14="http://schemas.microsoft.com/office/drawing/2010/main" xmlns="" w="9525">
+                <a14:hiddenLine xmlns="" xmlns:a14="http://schemas.microsoft.com/office/drawing/2010/main" w="9525">
                   <a:solidFill>
                     <a:srgbClr val="000000"/>
                   </a:solidFill>
@@ -3095,7 +3100,7 @@
             </a:ln>
             <a:extLst>
               <a:ext uri="{91240B29-F687-4f45-9708-019B960494DF}">
-                <a14:hiddenLine xmlns:a14="http://schemas.microsoft.com/office/drawing/2010/main" xmlns="" w="9525">
+                <a14:hiddenLine xmlns="" xmlns:a14="http://schemas.microsoft.com/office/drawing/2010/main" w="9525">
                   <a:solidFill>
                     <a:srgbClr val="000000"/>
                   </a:solidFill>
@@ -3163,7 +3168,7 @@
             </a:ln>
             <a:extLst>
               <a:ext uri="{91240B29-F687-4f45-9708-019B960494DF}">
-                <a14:hiddenLine xmlns:a14="http://schemas.microsoft.com/office/drawing/2010/main" xmlns="" w="9525">
+                <a14:hiddenLine xmlns="" xmlns:a14="http://schemas.microsoft.com/office/drawing/2010/main" w="9525">
                   <a:solidFill>
                     <a:srgbClr val="000000"/>
                   </a:solidFill>
@@ -3225,7 +3230,7 @@
             </a:ln>
             <a:extLst>
               <a:ext uri="{91240B29-F687-4f45-9708-019B960494DF}">
-                <a14:hiddenLine xmlns:a14="http://schemas.microsoft.com/office/drawing/2010/main" xmlns="" w="9525">
+                <a14:hiddenLine xmlns="" xmlns:a14="http://schemas.microsoft.com/office/drawing/2010/main" w="9525">
                   <a:solidFill>
                     <a:srgbClr val="000000"/>
                   </a:solidFill>
@@ -3315,7 +3320,7 @@
             </a:ln>
             <a:extLst>
               <a:ext uri="{91240B29-F687-4f45-9708-019B960494DF}">
-                <a14:hiddenLine xmlns:a14="http://schemas.microsoft.com/office/drawing/2010/main" xmlns="" w="9525">
+                <a14:hiddenLine xmlns="" xmlns:a14="http://schemas.microsoft.com/office/drawing/2010/main" w="9525">
                   <a:solidFill>
                     <a:srgbClr val="000000"/>
                   </a:solidFill>
@@ -3377,7 +3382,7 @@
             </a:ln>
             <a:extLst>
               <a:ext uri="{91240B29-F687-4f45-9708-019B960494DF}">
-                <a14:hiddenLine xmlns:a14="http://schemas.microsoft.com/office/drawing/2010/main" xmlns="" w="9525">
+                <a14:hiddenLine xmlns="" xmlns:a14="http://schemas.microsoft.com/office/drawing/2010/main" w="9525">
                   <a:solidFill>
                     <a:srgbClr val="000000"/>
                   </a:solidFill>
@@ -3467,7 +3472,7 @@
             </a:ln>
             <a:extLst>
               <a:ext uri="{91240B29-F687-4f45-9708-019B960494DF}">
-                <a14:hiddenLine xmlns:a14="http://schemas.microsoft.com/office/drawing/2010/main" xmlns="" w="9525">
+                <a14:hiddenLine xmlns="" xmlns:a14="http://schemas.microsoft.com/office/drawing/2010/main" w="9525">
                   <a:solidFill>
                     <a:srgbClr val="000000"/>
                   </a:solidFill>
@@ -3529,7 +3534,7 @@
             </a:ln>
             <a:extLst>
               <a:ext uri="{91240B29-F687-4f45-9708-019B960494DF}">
-                <a14:hiddenLine xmlns:a14="http://schemas.microsoft.com/office/drawing/2010/main" xmlns="" w="9525">
+                <a14:hiddenLine xmlns="" xmlns:a14="http://schemas.microsoft.com/office/drawing/2010/main" w="9525">
                   <a:solidFill>
                     <a:srgbClr val="000000"/>
                   </a:solidFill>
@@ -3619,7 +3624,7 @@
             </a:ln>
             <a:extLst>
               <a:ext uri="{91240B29-F687-4f45-9708-019B960494DF}">
-                <a14:hiddenLine xmlns:a14="http://schemas.microsoft.com/office/drawing/2010/main" xmlns="" w="9525">
+                <a14:hiddenLine xmlns="" xmlns:a14="http://schemas.microsoft.com/office/drawing/2010/main" w="9525">
                   <a:solidFill>
                     <a:srgbClr val="000000"/>
                   </a:solidFill>
@@ -3653,7 +3658,7 @@
             </a:ln>
             <a:extLst>
               <a:ext uri="{91240B29-F687-4f45-9708-019B960494DF}">
-                <a14:hiddenLine xmlns:a14="http://schemas.microsoft.com/office/drawing/2010/main" xmlns="" w="9525">
+                <a14:hiddenLine xmlns="" xmlns:a14="http://schemas.microsoft.com/office/drawing/2010/main" w="9525">
                   <a:solidFill>
                     <a:srgbClr val="000000"/>
                   </a:solidFill>
@@ -3718,7 +3723,7 @@
             </a:ln>
             <a:extLst>
               <a:ext uri="{91240B29-F687-4f45-9708-019B960494DF}">
-                <a14:hiddenLine xmlns:a14="http://schemas.microsoft.com/office/drawing/2010/main" xmlns="" w="9525">
+                <a14:hiddenLine xmlns="" xmlns:a14="http://schemas.microsoft.com/office/drawing/2010/main" w="9525">
                   <a:solidFill>
                     <a:srgbClr val="000000"/>
                   </a:solidFill>
@@ -3808,7 +3813,7 @@
             </a:ln>
             <a:extLst>
               <a:ext uri="{91240B29-F687-4f45-9708-019B960494DF}">
-                <a14:hiddenLine xmlns:a14="http://schemas.microsoft.com/office/drawing/2010/main" xmlns="" w="9525">
+                <a14:hiddenLine xmlns="" xmlns:a14="http://schemas.microsoft.com/office/drawing/2010/main" w="9525">
                   <a:solidFill>
                     <a:srgbClr val="000000"/>
                   </a:solidFill>
@@ -3870,7 +3875,7 @@
             </a:ln>
             <a:extLst>
               <a:ext uri="{91240B29-F687-4f45-9708-019B960494DF}">
-                <a14:hiddenLine xmlns:a14="http://schemas.microsoft.com/office/drawing/2010/main" xmlns="" w="9525">
+                <a14:hiddenLine xmlns="" xmlns:a14="http://schemas.microsoft.com/office/drawing/2010/main" w="9525">
                   <a:solidFill>
                     <a:srgbClr val="000000"/>
                   </a:solidFill>
@@ -3960,7 +3965,7 @@
             </a:ln>
             <a:extLst>
               <a:ext uri="{91240B29-F687-4f45-9708-019B960494DF}">
-                <a14:hiddenLine xmlns:a14="http://schemas.microsoft.com/office/drawing/2010/main" xmlns="" w="9525">
+                <a14:hiddenLine xmlns="" xmlns:a14="http://schemas.microsoft.com/office/drawing/2010/main" w="9525">
                   <a:solidFill>
                     <a:srgbClr val="000000"/>
                   </a:solidFill>
@@ -4050,7 +4055,7 @@
             </a:ln>
             <a:extLst>
               <a:ext uri="{91240B29-F687-4f45-9708-019B960494DF}">
-                <a14:hiddenLine xmlns:a14="http://schemas.microsoft.com/office/drawing/2010/main" xmlns="" w="9525">
+                <a14:hiddenLine xmlns="" xmlns:a14="http://schemas.microsoft.com/office/drawing/2010/main" w="9525">
                   <a:solidFill>
                     <a:srgbClr val="000000"/>
                   </a:solidFill>
@@ -4115,7 +4120,7 @@
             </a:ln>
             <a:extLst>
               <a:ext uri="{91240B29-F687-4f45-9708-019B960494DF}">
-                <a14:hiddenLine xmlns:a14="http://schemas.microsoft.com/office/drawing/2010/main" xmlns="" w="9525">
+                <a14:hiddenLine xmlns="" xmlns:a14="http://schemas.microsoft.com/office/drawing/2010/main" w="9525">
                   <a:solidFill>
                     <a:srgbClr val="000000"/>
                   </a:solidFill>
@@ -4177,7 +4182,7 @@
             </a:ln>
             <a:extLst>
               <a:ext uri="{91240B29-F687-4f45-9708-019B960494DF}">
-                <a14:hiddenLine xmlns:a14="http://schemas.microsoft.com/office/drawing/2010/main" xmlns="" w="9525">
+                <a14:hiddenLine xmlns="" xmlns:a14="http://schemas.microsoft.com/office/drawing/2010/main" w="9525">
                   <a:solidFill>
                     <a:srgbClr val="000000"/>
                   </a:solidFill>
@@ -4267,7 +4272,7 @@
             </a:ln>
             <a:extLst>
               <a:ext uri="{91240B29-F687-4f45-9708-019B960494DF}">
-                <a14:hiddenLine xmlns:a14="http://schemas.microsoft.com/office/drawing/2010/main" xmlns="" w="9525">
+                <a14:hiddenLine xmlns="" xmlns:a14="http://schemas.microsoft.com/office/drawing/2010/main" w="9525">
                   <a:solidFill>
                     <a:srgbClr val="000000"/>
                   </a:solidFill>
@@ -4357,7 +4362,7 @@
             </a:ln>
             <a:extLst>
               <a:ext uri="{91240B29-F687-4f45-9708-019B960494DF}">
-                <a14:hiddenLine xmlns:a14="http://schemas.microsoft.com/office/drawing/2010/main" xmlns="" w="9525">
+                <a14:hiddenLine xmlns="" xmlns:a14="http://schemas.microsoft.com/office/drawing/2010/main" w="9525">
                   <a:solidFill>
                     <a:srgbClr val="000000"/>
                   </a:solidFill>
@@ -4419,7 +4424,7 @@
             </a:ln>
             <a:extLst>
               <a:ext uri="{91240B29-F687-4f45-9708-019B960494DF}">
-                <a14:hiddenLine xmlns:a14="http://schemas.microsoft.com/office/drawing/2010/main" xmlns="" w="9525">
+                <a14:hiddenLine xmlns="" xmlns:a14="http://schemas.microsoft.com/office/drawing/2010/main" w="9525">
                   <a:solidFill>
                     <a:srgbClr val="000000"/>
                   </a:solidFill>
@@ -4539,7 +4544,7 @@
             </a:ln>
             <a:extLst>
               <a:ext uri="{91240B29-F687-4f45-9708-019B960494DF}">
-                <a14:hiddenLine xmlns:a14="http://schemas.microsoft.com/office/drawing/2010/main" xmlns="" w="9525">
+                <a14:hiddenLine xmlns="" xmlns:a14="http://schemas.microsoft.com/office/drawing/2010/main" w="9525">
                   <a:solidFill>
                     <a:srgbClr val="000000"/>
                   </a:solidFill>
@@ -4607,7 +4612,7 @@
             </a:ln>
             <a:extLst>
               <a:ext uri="{91240B29-F687-4f45-9708-019B960494DF}">
-                <a14:hiddenLine xmlns:a14="http://schemas.microsoft.com/office/drawing/2010/main" xmlns="" w="9525">
+                <a14:hiddenLine xmlns="" xmlns:a14="http://schemas.microsoft.com/office/drawing/2010/main" w="9525">
                   <a:solidFill>
                     <a:srgbClr val="000000"/>
                   </a:solidFill>
@@ -4697,7 +4702,7 @@
             </a:ln>
             <a:extLst>
               <a:ext uri="{91240B29-F687-4f45-9708-019B960494DF}">
-                <a14:hiddenLine xmlns:a14="http://schemas.microsoft.com/office/drawing/2010/main" xmlns="" w="9525">
+                <a14:hiddenLine xmlns="" xmlns:a14="http://schemas.microsoft.com/office/drawing/2010/main" w="9525">
                   <a:solidFill>
                     <a:srgbClr val="000000"/>
                   </a:solidFill>
@@ -4837,7 +4842,7 @@
           <a:p>
             <a:fld id="{4D555D74-2EBE-4263-8114-1E64578D8D22}" type="datetimeFigureOut">
               <a:rPr lang="da-DK" smtClean="0"/>
-              <a:t>25-10-2016</a:t>
+              <a:t>27-10-2016</a:t>
             </a:fld>
             <a:endParaRPr lang="da-DK"/>
           </a:p>
@@ -5104,7 +5109,7 @@
           <a:p>
             <a:fld id="{4D555D74-2EBE-4263-8114-1E64578D8D22}" type="datetimeFigureOut">
               <a:rPr lang="da-DK" smtClean="0"/>
-              <a:t>25-10-2016</a:t>
+              <a:t>27-10-2016</a:t>
             </a:fld>
             <a:endParaRPr lang="da-DK"/>
           </a:p>
@@ -5300,7 +5305,7 @@
           <a:p>
             <a:fld id="{4D555D74-2EBE-4263-8114-1E64578D8D22}" type="datetimeFigureOut">
               <a:rPr lang="da-DK" smtClean="0"/>
-              <a:t>25-10-2016</a:t>
+              <a:t>27-10-2016</a:t>
             </a:fld>
             <a:endParaRPr lang="da-DK"/>
           </a:p>
@@ -5563,7 +5568,7 @@
           <a:p>
             <a:fld id="{4D555D74-2EBE-4263-8114-1E64578D8D22}" type="datetimeFigureOut">
               <a:rPr lang="da-DK" smtClean="0"/>
-              <a:t>25-10-2016</a:t>
+              <a:t>27-10-2016</a:t>
             </a:fld>
             <a:endParaRPr lang="da-DK"/>
           </a:p>
@@ -5997,7 +6002,7 @@
           <a:p>
             <a:fld id="{4D555D74-2EBE-4263-8114-1E64578D8D22}" type="datetimeFigureOut">
               <a:rPr lang="da-DK" smtClean="0"/>
-              <a:t>25-10-2016</a:t>
+              <a:t>27-10-2016</a:t>
             </a:fld>
             <a:endParaRPr lang="da-DK"/>
           </a:p>
@@ -6543,7 +6548,7 @@
           <a:p>
             <a:fld id="{4D555D74-2EBE-4263-8114-1E64578D8D22}" type="datetimeFigureOut">
               <a:rPr lang="da-DK" smtClean="0"/>
-              <a:t>25-10-2016</a:t>
+              <a:t>27-10-2016</a:t>
             </a:fld>
             <a:endParaRPr lang="da-DK"/>
           </a:p>
@@ -7263,7 +7268,7 @@
           <a:p>
             <a:fld id="{4D555D74-2EBE-4263-8114-1E64578D8D22}" type="datetimeFigureOut">
               <a:rPr lang="da-DK" smtClean="0"/>
-              <a:t>25-10-2016</a:t>
+              <a:t>27-10-2016</a:t>
             </a:fld>
             <a:endParaRPr lang="da-DK"/>
           </a:p>
@@ -7433,7 +7438,7 @@
           <a:p>
             <a:fld id="{4D555D74-2EBE-4263-8114-1E64578D8D22}" type="datetimeFigureOut">
               <a:rPr lang="da-DK" smtClean="0"/>
-              <a:t>25-10-2016</a:t>
+              <a:t>27-10-2016</a:t>
             </a:fld>
             <a:endParaRPr lang="da-DK"/>
           </a:p>
@@ -7613,7 +7618,7 @@
           <a:p>
             <a:fld id="{4D555D74-2EBE-4263-8114-1E64578D8D22}" type="datetimeFigureOut">
               <a:rPr lang="da-DK" smtClean="0"/>
-              <a:t>25-10-2016</a:t>
+              <a:t>27-10-2016</a:t>
             </a:fld>
             <a:endParaRPr lang="da-DK"/>
           </a:p>
@@ -7783,7 +7788,7 @@
           <a:p>
             <a:fld id="{4D555D74-2EBE-4263-8114-1E64578D8D22}" type="datetimeFigureOut">
               <a:rPr lang="da-DK" smtClean="0"/>
-              <a:t>25-10-2016</a:t>
+              <a:t>27-10-2016</a:t>
             </a:fld>
             <a:endParaRPr lang="da-DK"/>
           </a:p>
@@ -8033,7 +8038,7 @@
           <a:p>
             <a:fld id="{4D555D74-2EBE-4263-8114-1E64578D8D22}" type="datetimeFigureOut">
               <a:rPr lang="da-DK" smtClean="0"/>
-              <a:t>25-10-2016</a:t>
+              <a:t>27-10-2016</a:t>
             </a:fld>
             <a:endParaRPr lang="da-DK"/>
           </a:p>
@@ -8265,7 +8270,7 @@
           <a:p>
             <a:fld id="{4D555D74-2EBE-4263-8114-1E64578D8D22}" type="datetimeFigureOut">
               <a:rPr lang="da-DK" smtClean="0"/>
-              <a:t>25-10-2016</a:t>
+              <a:t>27-10-2016</a:t>
             </a:fld>
             <a:endParaRPr lang="da-DK"/>
           </a:p>
@@ -8646,7 +8651,7 @@
           <a:p>
             <a:fld id="{4D555D74-2EBE-4263-8114-1E64578D8D22}" type="datetimeFigureOut">
               <a:rPr lang="da-DK" smtClean="0"/>
-              <a:t>25-10-2016</a:t>
+              <a:t>27-10-2016</a:t>
             </a:fld>
             <a:endParaRPr lang="da-DK"/>
           </a:p>
@@ -8764,7 +8769,7 @@
           <a:p>
             <a:fld id="{4D555D74-2EBE-4263-8114-1E64578D8D22}" type="datetimeFigureOut">
               <a:rPr lang="da-DK" smtClean="0"/>
-              <a:t>25-10-2016</a:t>
+              <a:t>27-10-2016</a:t>
             </a:fld>
             <a:endParaRPr lang="da-DK"/>
           </a:p>
@@ -8859,7 +8864,7 @@
           <a:p>
             <a:fld id="{4D555D74-2EBE-4263-8114-1E64578D8D22}" type="datetimeFigureOut">
               <a:rPr lang="da-DK" smtClean="0"/>
-              <a:t>25-10-2016</a:t>
+              <a:t>27-10-2016</a:t>
             </a:fld>
             <a:endParaRPr lang="da-DK"/>
           </a:p>
@@ -9108,7 +9113,7 @@
           <a:p>
             <a:fld id="{4D555D74-2EBE-4263-8114-1E64578D8D22}" type="datetimeFigureOut">
               <a:rPr lang="da-DK" smtClean="0"/>
-              <a:t>25-10-2016</a:t>
+              <a:t>27-10-2016</a:t>
             </a:fld>
             <a:endParaRPr lang="da-DK"/>
           </a:p>
@@ -9388,7 +9393,7 @@
           <a:p>
             <a:fld id="{4D555D74-2EBE-4263-8114-1E64578D8D22}" type="datetimeFigureOut">
               <a:rPr lang="da-DK" smtClean="0"/>
-              <a:t>25-10-2016</a:t>
+              <a:t>27-10-2016</a:t>
             </a:fld>
             <a:endParaRPr lang="da-DK"/>
           </a:p>
@@ -9511,7 +9516,7 @@
           <a:noFill/>
           <a:extLst>
             <a:ext uri="{909E8E84-426E-40dd-AFC4-6F175D3DCCD1}">
-              <a14:hiddenFill xmlns:a14="http://schemas.microsoft.com/office/drawing/2010/main" xmlns="">
+              <a14:hiddenFill xmlns="" xmlns:a14="http://schemas.microsoft.com/office/drawing/2010/main">
                 <a:solidFill>
                   <a:srgbClr val="FFFFFF"/>
                 </a:solidFill>
@@ -9585,7 +9590,7 @@
               </a:ln>
               <a:extLst>
                 <a:ext uri="{91240B29-F687-4f45-9708-019B960494DF}">
-                  <a14:hiddenLine xmlns:a14="http://schemas.microsoft.com/office/drawing/2010/main" xmlns="" w="9525">
+                  <a14:hiddenLine xmlns="" xmlns:a14="http://schemas.microsoft.com/office/drawing/2010/main" w="9525">
                     <a:solidFill>
                       <a:srgbClr val="000000"/>
                     </a:solidFill>
@@ -9675,7 +9680,7 @@
               </a:ln>
               <a:extLst>
                 <a:ext uri="{91240B29-F687-4f45-9708-019B960494DF}">
-                  <a14:hiddenLine xmlns:a14="http://schemas.microsoft.com/office/drawing/2010/main" xmlns="" w="9525">
+                  <a14:hiddenLine xmlns="" xmlns:a14="http://schemas.microsoft.com/office/drawing/2010/main" w="9525">
                     <a:solidFill>
                       <a:srgbClr val="000000"/>
                     </a:solidFill>
@@ -9765,7 +9770,7 @@
               </a:ln>
               <a:extLst>
                 <a:ext uri="{91240B29-F687-4f45-9708-019B960494DF}">
-                  <a14:hiddenLine xmlns:a14="http://schemas.microsoft.com/office/drawing/2010/main" xmlns="" w="9525">
+                  <a14:hiddenLine xmlns="" xmlns:a14="http://schemas.microsoft.com/office/drawing/2010/main" w="9525">
                     <a:solidFill>
                       <a:srgbClr val="000000"/>
                     </a:solidFill>
@@ -9827,7 +9832,7 @@
               </a:ln>
               <a:extLst>
                 <a:ext uri="{91240B29-F687-4f45-9708-019B960494DF}">
-                  <a14:hiddenLine xmlns:a14="http://schemas.microsoft.com/office/drawing/2010/main" xmlns="" w="9525">
+                  <a14:hiddenLine xmlns="" xmlns:a14="http://schemas.microsoft.com/office/drawing/2010/main" w="9525">
                     <a:solidFill>
                       <a:srgbClr val="000000"/>
                     </a:solidFill>
@@ -9917,7 +9922,7 @@
               </a:ln>
               <a:extLst>
                 <a:ext uri="{91240B29-F687-4f45-9708-019B960494DF}">
-                  <a14:hiddenLine xmlns:a14="http://schemas.microsoft.com/office/drawing/2010/main" xmlns="" w="9525">
+                  <a14:hiddenLine xmlns="" xmlns:a14="http://schemas.microsoft.com/office/drawing/2010/main" w="9525">
                     <a:solidFill>
                       <a:srgbClr val="000000"/>
                     </a:solidFill>
@@ -9979,7 +9984,7 @@
               </a:ln>
               <a:extLst>
                 <a:ext uri="{91240B29-F687-4f45-9708-019B960494DF}">
-                  <a14:hiddenLine xmlns:a14="http://schemas.microsoft.com/office/drawing/2010/main" xmlns="" w="9525">
+                  <a14:hiddenLine xmlns="" xmlns:a14="http://schemas.microsoft.com/office/drawing/2010/main" w="9525">
                     <a:solidFill>
                       <a:srgbClr val="000000"/>
                     </a:solidFill>
@@ -10041,7 +10046,7 @@
               </a:ln>
               <a:extLst>
                 <a:ext uri="{91240B29-F687-4f45-9708-019B960494DF}">
-                  <a14:hiddenLine xmlns:a14="http://schemas.microsoft.com/office/drawing/2010/main" xmlns="" w="9525">
+                  <a14:hiddenLine xmlns="" xmlns:a14="http://schemas.microsoft.com/office/drawing/2010/main" w="9525">
                     <a:solidFill>
                       <a:srgbClr val="000000"/>
                     </a:solidFill>
@@ -10131,7 +10136,7 @@
               </a:ln>
               <a:extLst>
                 <a:ext uri="{91240B29-F687-4f45-9708-019B960494DF}">
-                  <a14:hiddenLine xmlns:a14="http://schemas.microsoft.com/office/drawing/2010/main" xmlns="" w="9525">
+                  <a14:hiddenLine xmlns="" xmlns:a14="http://schemas.microsoft.com/office/drawing/2010/main" w="9525">
                     <a:solidFill>
                       <a:srgbClr val="000000"/>
                     </a:solidFill>
@@ -10221,7 +10226,7 @@
               </a:ln>
               <a:extLst>
                 <a:ext uri="{91240B29-F687-4f45-9708-019B960494DF}">
-                  <a14:hiddenLine xmlns:a14="http://schemas.microsoft.com/office/drawing/2010/main" xmlns="" w="9525">
+                  <a14:hiddenLine xmlns="" xmlns:a14="http://schemas.microsoft.com/office/drawing/2010/main" w="9525">
                     <a:solidFill>
                       <a:srgbClr val="000000"/>
                     </a:solidFill>
@@ -10283,7 +10288,7 @@
               </a:ln>
               <a:extLst>
                 <a:ext uri="{91240B29-F687-4f45-9708-019B960494DF}">
-                  <a14:hiddenLine xmlns:a14="http://schemas.microsoft.com/office/drawing/2010/main" xmlns="" w="9525">
+                  <a14:hiddenLine xmlns="" xmlns:a14="http://schemas.microsoft.com/office/drawing/2010/main" w="9525">
                     <a:solidFill>
                       <a:srgbClr val="000000"/>
                     </a:solidFill>
@@ -10393,7 +10398,7 @@
               </a:ln>
               <a:extLst>
                 <a:ext uri="{91240B29-F687-4f45-9708-019B960494DF}">
-                  <a14:hiddenLine xmlns:a14="http://schemas.microsoft.com/office/drawing/2010/main" xmlns="" w="9525">
+                  <a14:hiddenLine xmlns="" xmlns:a14="http://schemas.microsoft.com/office/drawing/2010/main" w="9525">
                     <a:solidFill>
                       <a:srgbClr val="000000"/>
                     </a:solidFill>
@@ -10477,7 +10482,7 @@
               </a:ln>
               <a:extLst>
                 <a:ext uri="{91240B29-F687-4f45-9708-019B960494DF}">
-                  <a14:hiddenLine xmlns:a14="http://schemas.microsoft.com/office/drawing/2010/main" xmlns="" w="9525">
+                  <a14:hiddenLine xmlns="" xmlns:a14="http://schemas.microsoft.com/office/drawing/2010/main" w="9525">
                     <a:solidFill>
                       <a:srgbClr val="000000"/>
                     </a:solidFill>
@@ -10539,7 +10544,7 @@
               </a:ln>
               <a:extLst>
                 <a:ext uri="{91240B29-F687-4f45-9708-019B960494DF}">
-                  <a14:hiddenLine xmlns:a14="http://schemas.microsoft.com/office/drawing/2010/main" xmlns="" w="9525">
+                  <a14:hiddenLine xmlns="" xmlns:a14="http://schemas.microsoft.com/office/drawing/2010/main" w="9525">
                     <a:solidFill>
                       <a:srgbClr val="000000"/>
                     </a:solidFill>
@@ -10601,7 +10606,7 @@
               </a:ln>
               <a:extLst>
                 <a:ext uri="{91240B29-F687-4f45-9708-019B960494DF}">
-                  <a14:hiddenLine xmlns:a14="http://schemas.microsoft.com/office/drawing/2010/main" xmlns="" w="9525">
+                  <a14:hiddenLine xmlns="" xmlns:a14="http://schemas.microsoft.com/office/drawing/2010/main" w="9525">
                     <a:solidFill>
                       <a:srgbClr val="000000"/>
                     </a:solidFill>
@@ -10691,7 +10696,7 @@
               </a:ln>
               <a:extLst>
                 <a:ext uri="{91240B29-F687-4f45-9708-019B960494DF}">
-                  <a14:hiddenLine xmlns:a14="http://schemas.microsoft.com/office/drawing/2010/main" xmlns="" w="9525">
+                  <a14:hiddenLine xmlns="" xmlns:a14="http://schemas.microsoft.com/office/drawing/2010/main" w="9525">
                     <a:solidFill>
                       <a:srgbClr val="000000"/>
                     </a:solidFill>
@@ -10725,7 +10730,7 @@
               </a:ln>
               <a:extLst>
                 <a:ext uri="{91240B29-F687-4f45-9708-019B960494DF}">
-                  <a14:hiddenLine xmlns:a14="http://schemas.microsoft.com/office/drawing/2010/main" xmlns="" w="9525">
+                  <a14:hiddenLine xmlns="" xmlns:a14="http://schemas.microsoft.com/office/drawing/2010/main" w="9525">
                     <a:solidFill>
                       <a:srgbClr val="000000"/>
                     </a:solidFill>
@@ -10790,7 +10795,7 @@
               </a:ln>
               <a:extLst>
                 <a:ext uri="{91240B29-F687-4f45-9708-019B960494DF}">
-                  <a14:hiddenLine xmlns:a14="http://schemas.microsoft.com/office/drawing/2010/main" xmlns="" w="9525">
+                  <a14:hiddenLine xmlns="" xmlns:a14="http://schemas.microsoft.com/office/drawing/2010/main" w="9525">
                     <a:solidFill>
                       <a:srgbClr val="000000"/>
                     </a:solidFill>
@@ -10880,7 +10885,7 @@
               </a:ln>
               <a:extLst>
                 <a:ext uri="{91240B29-F687-4f45-9708-019B960494DF}">
-                  <a14:hiddenLine xmlns:a14="http://schemas.microsoft.com/office/drawing/2010/main" xmlns="" w="9525">
+                  <a14:hiddenLine xmlns="" xmlns:a14="http://schemas.microsoft.com/office/drawing/2010/main" w="9525">
                     <a:solidFill>
                       <a:srgbClr val="000000"/>
                     </a:solidFill>
@@ -10942,7 +10947,7 @@
               </a:ln>
               <a:extLst>
                 <a:ext uri="{91240B29-F687-4f45-9708-019B960494DF}">
-                  <a14:hiddenLine xmlns:a14="http://schemas.microsoft.com/office/drawing/2010/main" xmlns="" w="9525">
+                  <a14:hiddenLine xmlns="" xmlns:a14="http://schemas.microsoft.com/office/drawing/2010/main" w="9525">
                     <a:solidFill>
                       <a:srgbClr val="000000"/>
                     </a:solidFill>
@@ -11032,7 +11037,7 @@
               </a:ln>
               <a:extLst>
                 <a:ext uri="{91240B29-F687-4f45-9708-019B960494DF}">
-                  <a14:hiddenLine xmlns:a14="http://schemas.microsoft.com/office/drawing/2010/main" xmlns="" w="9525">
+                  <a14:hiddenLine xmlns="" xmlns:a14="http://schemas.microsoft.com/office/drawing/2010/main" w="9525">
                     <a:solidFill>
                       <a:srgbClr val="000000"/>
                     </a:solidFill>
@@ -11097,7 +11102,7 @@
               </a:ln>
               <a:extLst>
                 <a:ext uri="{91240B29-F687-4f45-9708-019B960494DF}">
-                  <a14:hiddenLine xmlns:a14="http://schemas.microsoft.com/office/drawing/2010/main" xmlns="" w="9525">
+                  <a14:hiddenLine xmlns="" xmlns:a14="http://schemas.microsoft.com/office/drawing/2010/main" w="9525">
                     <a:solidFill>
                       <a:srgbClr val="000000"/>
                     </a:solidFill>
@@ -11159,7 +11164,7 @@
               </a:ln>
               <a:extLst>
                 <a:ext uri="{91240B29-F687-4f45-9708-019B960494DF}">
-                  <a14:hiddenLine xmlns:a14="http://schemas.microsoft.com/office/drawing/2010/main" xmlns="" w="9525">
+                  <a14:hiddenLine xmlns="" xmlns:a14="http://schemas.microsoft.com/office/drawing/2010/main" w="9525">
                     <a:solidFill>
                       <a:srgbClr val="000000"/>
                     </a:solidFill>
@@ -11249,7 +11254,7 @@
               </a:ln>
               <a:extLst>
                 <a:ext uri="{91240B29-F687-4f45-9708-019B960494DF}">
-                  <a14:hiddenLine xmlns:a14="http://schemas.microsoft.com/office/drawing/2010/main" xmlns="" w="9525">
+                  <a14:hiddenLine xmlns="" xmlns:a14="http://schemas.microsoft.com/office/drawing/2010/main" w="9525">
                     <a:solidFill>
                       <a:srgbClr val="000000"/>
                     </a:solidFill>
@@ -11339,7 +11344,7 @@
               </a:ln>
               <a:extLst>
                 <a:ext uri="{91240B29-F687-4f45-9708-019B960494DF}">
-                  <a14:hiddenLine xmlns:a14="http://schemas.microsoft.com/office/drawing/2010/main" xmlns="" w="9525">
+                  <a14:hiddenLine xmlns="" xmlns:a14="http://schemas.microsoft.com/office/drawing/2010/main" w="9525">
                     <a:solidFill>
                       <a:srgbClr val="000000"/>
                     </a:solidFill>
@@ -11404,7 +11409,7 @@
               </a:ln>
               <a:extLst>
                 <a:ext uri="{91240B29-F687-4f45-9708-019B960494DF}">
-                  <a14:hiddenLine xmlns:a14="http://schemas.microsoft.com/office/drawing/2010/main" xmlns="" w="9525">
+                  <a14:hiddenLine xmlns="" xmlns:a14="http://schemas.microsoft.com/office/drawing/2010/main" w="9525">
                     <a:solidFill>
                       <a:srgbClr val="000000"/>
                     </a:solidFill>
@@ -11524,7 +11529,7 @@
               </a:ln>
               <a:extLst>
                 <a:ext uri="{91240B29-F687-4f45-9708-019B960494DF}">
-                  <a14:hiddenLine xmlns:a14="http://schemas.microsoft.com/office/drawing/2010/main" xmlns="" w="9525">
+                  <a14:hiddenLine xmlns="" xmlns:a14="http://schemas.microsoft.com/office/drawing/2010/main" w="9525">
                     <a:solidFill>
                       <a:srgbClr val="000000"/>
                     </a:solidFill>
@@ -11622,7 +11627,7 @@
               </a:ln>
               <a:extLst>
                 <a:ext uri="{91240B29-F687-4f45-9708-019B960494DF}">
-                  <a14:hiddenLine xmlns:a14="http://schemas.microsoft.com/office/drawing/2010/main" xmlns="" w="9525">
+                  <a14:hiddenLine xmlns="" xmlns:a14="http://schemas.microsoft.com/office/drawing/2010/main" w="9525">
                     <a:solidFill>
                       <a:srgbClr val="000000"/>
                     </a:solidFill>
@@ -11737,7 +11742,7 @@
               </a:ln>
               <a:extLst>
                 <a:ext uri="{91240B29-F687-4f45-9708-019B960494DF}">
-                  <a14:hiddenLine xmlns:a14="http://schemas.microsoft.com/office/drawing/2010/main" xmlns="" w="9525">
+                  <a14:hiddenLine xmlns="" xmlns:a14="http://schemas.microsoft.com/office/drawing/2010/main" w="9525">
                     <a:solidFill>
                       <a:srgbClr val="000000"/>
                     </a:solidFill>
@@ -11827,7 +11832,7 @@
               </a:ln>
               <a:extLst>
                 <a:ext uri="{91240B29-F687-4f45-9708-019B960494DF}">
-                  <a14:hiddenLine xmlns:a14="http://schemas.microsoft.com/office/drawing/2010/main" xmlns="" w="9525">
+                  <a14:hiddenLine xmlns="" xmlns:a14="http://schemas.microsoft.com/office/drawing/2010/main" w="9525">
                     <a:solidFill>
                       <a:srgbClr val="000000"/>
                     </a:solidFill>
@@ -11892,7 +11897,7 @@
               </a:ln>
               <a:extLst>
                 <a:ext uri="{91240B29-F687-4f45-9708-019B960494DF}">
-                  <a14:hiddenLine xmlns:a14="http://schemas.microsoft.com/office/drawing/2010/main" xmlns="" w="9525">
+                  <a14:hiddenLine xmlns="" xmlns:a14="http://schemas.microsoft.com/office/drawing/2010/main" w="9525">
                     <a:solidFill>
                       <a:srgbClr val="000000"/>
                     </a:solidFill>
@@ -11982,7 +11987,7 @@
               </a:ln>
               <a:extLst>
                 <a:ext uri="{91240B29-F687-4f45-9708-019B960494DF}">
-                  <a14:hiddenLine xmlns:a14="http://schemas.microsoft.com/office/drawing/2010/main" xmlns="" w="9525">
+                  <a14:hiddenLine xmlns="" xmlns:a14="http://schemas.microsoft.com/office/drawing/2010/main" w="9525">
                     <a:solidFill>
                       <a:srgbClr val="000000"/>
                     </a:solidFill>
@@ -12050,7 +12055,7 @@
               </a:ln>
               <a:extLst>
                 <a:ext uri="{91240B29-F687-4f45-9708-019B960494DF}">
-                  <a14:hiddenLine xmlns:a14="http://schemas.microsoft.com/office/drawing/2010/main" xmlns="" w="9525">
+                  <a14:hiddenLine xmlns="" xmlns:a14="http://schemas.microsoft.com/office/drawing/2010/main" w="9525">
                     <a:solidFill>
                       <a:srgbClr val="000000"/>
                     </a:solidFill>
@@ -12140,7 +12145,7 @@
               </a:ln>
               <a:extLst>
                 <a:ext uri="{91240B29-F687-4f45-9708-019B960494DF}">
-                  <a14:hiddenLine xmlns:a14="http://schemas.microsoft.com/office/drawing/2010/main" xmlns="" w="9525">
+                  <a14:hiddenLine xmlns="" xmlns:a14="http://schemas.microsoft.com/office/drawing/2010/main" w="9525">
                     <a:solidFill>
                       <a:srgbClr val="000000"/>
                     </a:solidFill>
@@ -12208,7 +12213,7 @@
               </a:ln>
               <a:extLst>
                 <a:ext uri="{91240B29-F687-4f45-9708-019B960494DF}">
-                  <a14:hiddenLine xmlns:a14="http://schemas.microsoft.com/office/drawing/2010/main" xmlns="" w="9525">
+                  <a14:hiddenLine xmlns="" xmlns:a14="http://schemas.microsoft.com/office/drawing/2010/main" w="9525">
                     <a:solidFill>
                       <a:srgbClr val="000000"/>
                     </a:solidFill>
@@ -12298,7 +12303,7 @@
               </a:ln>
               <a:extLst>
                 <a:ext uri="{91240B29-F687-4f45-9708-019B960494DF}">
-                  <a14:hiddenLine xmlns:a14="http://schemas.microsoft.com/office/drawing/2010/main" xmlns="" w="9525">
+                  <a14:hiddenLine xmlns="" xmlns:a14="http://schemas.microsoft.com/office/drawing/2010/main" w="9525">
                     <a:solidFill>
                       <a:srgbClr val="000000"/>
                     </a:solidFill>
@@ -12332,7 +12337,7 @@
               </a:ln>
               <a:extLst>
                 <a:ext uri="{91240B29-F687-4f45-9708-019B960494DF}">
-                  <a14:hiddenLine xmlns:a14="http://schemas.microsoft.com/office/drawing/2010/main" xmlns="" w="9525">
+                  <a14:hiddenLine xmlns="" xmlns:a14="http://schemas.microsoft.com/office/drawing/2010/main" w="9525">
                     <a:solidFill>
                       <a:srgbClr val="000000"/>
                     </a:solidFill>
@@ -12472,7 +12477,7 @@
           <a:p>
             <a:fld id="{4D555D74-2EBE-4263-8114-1E64578D8D22}" type="datetimeFigureOut">
               <a:rPr lang="da-DK" smtClean="0"/>
-              <a:t>25-10-2016</a:t>
+              <a:t>27-10-2016</a:t>
             </a:fld>
             <a:endParaRPr lang="da-DK"/>
           </a:p>
@@ -13443,6 +13448,65 @@
 </p:sld>
 </file>
 
+<file path=ppt/slides/slide12.xml><?xml version="1.0" encoding="utf-8"?>
+<p:sld xmlns:a="http://schemas.openxmlformats.org/drawingml/2006/main" xmlns:r="http://schemas.openxmlformats.org/officeDocument/2006/relationships" xmlns:p="http://schemas.openxmlformats.org/presentationml/2006/main">
+  <p:cSld>
+    <p:spTree>
+      <p:nvGrpSpPr>
+        <p:cNvPr id="1" name=""/>
+        <p:cNvGrpSpPr/>
+        <p:nvPr/>
+      </p:nvGrpSpPr>
+      <p:grpSpPr>
+        <a:xfrm>
+          <a:off x="0" y="0"/>
+          <a:ext cx="0" cy="0"/>
+          <a:chOff x="0" y="0"/>
+          <a:chExt cx="0" cy="0"/>
+        </a:xfrm>
+      </p:grpSpPr>
+      <p:pic>
+        <p:nvPicPr>
+          <p:cNvPr id="4" name="Pladsholder til indhold 3"/>
+          <p:cNvPicPr>
+            <a:picLocks noGrp="1" noChangeAspect="1"/>
+          </p:cNvPicPr>
+          <p:nvPr>
+            <p:ph idx="1"/>
+          </p:nvPr>
+        </p:nvPicPr>
+        <p:blipFill>
+          <a:blip r:embed="rId2">
+            <a:extLst>
+              <a:ext uri="{28A0092B-C50C-407E-A947-70E740481C1C}">
+                <a14:useLocalDpi xmlns:a14="http://schemas.microsoft.com/office/drawing/2010/main" val="0"/>
+              </a:ext>
+            </a:extLst>
+          </a:blip>
+          <a:stretch>
+            <a:fillRect/>
+          </a:stretch>
+        </p:blipFill>
+        <p:spPr>
+          <a:xfrm>
+            <a:off x="1555920" y="618518"/>
+            <a:ext cx="9076983" cy="5757532"/>
+          </a:xfrm>
+        </p:spPr>
+      </p:pic>
+    </p:spTree>
+    <p:extLst>
+      <p:ext uri="{BB962C8B-B14F-4D97-AF65-F5344CB8AC3E}">
+        <p14:creationId xmlns:p14="http://schemas.microsoft.com/office/powerpoint/2010/main" val="599781128"/>
+      </p:ext>
+    </p:extLst>
+  </p:cSld>
+  <p:clrMapOvr>
+    <a:masterClrMapping/>
+  </p:clrMapOvr>
+</p:sld>
+</file>
+
 <file path=ppt/slides/slide2.xml><?xml version="1.0" encoding="utf-8"?>
 <p:sld xmlns:a="http://schemas.openxmlformats.org/drawingml/2006/main" xmlns:r="http://schemas.openxmlformats.org/officeDocument/2006/relationships" xmlns:p="http://schemas.openxmlformats.org/presentationml/2006/main">
   <p:cSld>
@@ -14266,7 +14330,7 @@
           <a:noFill/>
           <a:extLst>
             <a:ext uri="{909E8E84-426E-40dd-AFC4-6F175D3DCCD1}">
-              <a14:hiddenFill xmlns:a14="http://schemas.microsoft.com/office/drawing/2010/main" xmlns="">
+              <a14:hiddenFill xmlns="" xmlns:a14="http://schemas.microsoft.com/office/drawing/2010/main">
                 <a:solidFill>
                   <a:srgbClr val="FFFFFF"/>
                 </a:solidFill>
@@ -14340,7 +14404,7 @@
             </a:ln>
             <a:extLst>
               <a:ext uri="{91240B29-F687-4f45-9708-019B960494DF}">
-                <a14:hiddenLine xmlns:a14="http://schemas.microsoft.com/office/drawing/2010/main" xmlns="" w="9525">
+                <a14:hiddenLine xmlns="" xmlns:a14="http://schemas.microsoft.com/office/drawing/2010/main" w="9525">
                   <a:solidFill>
                     <a:srgbClr val="000000"/>
                   </a:solidFill>
@@ -14436,7 +14500,7 @@
             </a:ln>
             <a:extLst>
               <a:ext uri="{91240B29-F687-4f45-9708-019B960494DF}">
-                <a14:hiddenLine xmlns:a14="http://schemas.microsoft.com/office/drawing/2010/main" xmlns="" w="9525">
+                <a14:hiddenLine xmlns="" xmlns:a14="http://schemas.microsoft.com/office/drawing/2010/main" w="9525">
                   <a:solidFill>
                     <a:srgbClr val="000000"/>
                   </a:solidFill>
@@ -14532,7 +14596,7 @@
             </a:ln>
             <a:extLst>
               <a:ext uri="{91240B29-F687-4f45-9708-019B960494DF}">
-                <a14:hiddenLine xmlns:a14="http://schemas.microsoft.com/office/drawing/2010/main" xmlns="" w="9525">
+                <a14:hiddenLine xmlns="" xmlns:a14="http://schemas.microsoft.com/office/drawing/2010/main" w="9525">
                   <a:solidFill>
                     <a:srgbClr val="000000"/>
                   </a:solidFill>
@@ -14572,7 +14636,7 @@
             </a:ln>
             <a:extLst>
               <a:ext uri="{91240B29-F687-4f45-9708-019B960494DF}">
-                <a14:hiddenLine xmlns:a14="http://schemas.microsoft.com/office/drawing/2010/main" xmlns="" w="9525">
+                <a14:hiddenLine xmlns="" xmlns:a14="http://schemas.microsoft.com/office/drawing/2010/main" w="9525">
                   <a:solidFill>
                     <a:srgbClr val="000000"/>
                   </a:solidFill>
@@ -14668,7 +14732,7 @@
             </a:ln>
             <a:extLst>
               <a:ext uri="{91240B29-F687-4f45-9708-019B960494DF}">
-                <a14:hiddenLine xmlns:a14="http://schemas.microsoft.com/office/drawing/2010/main" xmlns="" w="9525">
+                <a14:hiddenLine xmlns="" xmlns:a14="http://schemas.microsoft.com/office/drawing/2010/main" w="9525">
                   <a:solidFill>
                     <a:srgbClr val="000000"/>
                   </a:solidFill>
@@ -14736,7 +14800,7 @@
             </a:ln>
             <a:extLst>
               <a:ext uri="{91240B29-F687-4f45-9708-019B960494DF}">
-                <a14:hiddenLine xmlns:a14="http://schemas.microsoft.com/office/drawing/2010/main" xmlns="" w="9525">
+                <a14:hiddenLine xmlns="" xmlns:a14="http://schemas.microsoft.com/office/drawing/2010/main" w="9525">
                   <a:solidFill>
                     <a:srgbClr val="000000"/>
                   </a:solidFill>
@@ -14804,7 +14868,7 @@
             </a:ln>
             <a:extLst>
               <a:ext uri="{91240B29-F687-4f45-9708-019B960494DF}">
-                <a14:hiddenLine xmlns:a14="http://schemas.microsoft.com/office/drawing/2010/main" xmlns="" w="9525">
+                <a14:hiddenLine xmlns="" xmlns:a14="http://schemas.microsoft.com/office/drawing/2010/main" w="9525">
                   <a:solidFill>
                     <a:srgbClr val="000000"/>
                   </a:solidFill>
@@ -14900,7 +14964,7 @@
             </a:ln>
             <a:extLst>
               <a:ext uri="{91240B29-F687-4f45-9708-019B960494DF}">
-                <a14:hiddenLine xmlns:a14="http://schemas.microsoft.com/office/drawing/2010/main" xmlns="" w="9525">
+                <a14:hiddenLine xmlns="" xmlns:a14="http://schemas.microsoft.com/office/drawing/2010/main" w="9525">
                   <a:solidFill>
                     <a:srgbClr val="000000"/>
                   </a:solidFill>
@@ -14968,7 +15032,7 @@
             </a:ln>
             <a:extLst>
               <a:ext uri="{91240B29-F687-4f45-9708-019B960494DF}">
-                <a14:hiddenLine xmlns:a14="http://schemas.microsoft.com/office/drawing/2010/main" xmlns="" w="9525">
+                <a14:hiddenLine xmlns="" xmlns:a14="http://schemas.microsoft.com/office/drawing/2010/main" w="9525">
                   <a:solidFill>
                     <a:srgbClr val="000000"/>
                   </a:solidFill>
@@ -15036,7 +15100,7 @@
             </a:ln>
             <a:extLst>
               <a:ext uri="{91240B29-F687-4f45-9708-019B960494DF}">
-                <a14:hiddenLine xmlns:a14="http://schemas.microsoft.com/office/drawing/2010/main" xmlns="" w="9525">
+                <a14:hiddenLine xmlns="" xmlns:a14="http://schemas.microsoft.com/office/drawing/2010/main" w="9525">
                   <a:solidFill>
                     <a:srgbClr val="000000"/>
                   </a:solidFill>
@@ -15132,7 +15196,7 @@
             </a:ln>
             <a:extLst>
               <a:ext uri="{91240B29-F687-4f45-9708-019B960494DF}">
-                <a14:hiddenLine xmlns:a14="http://schemas.microsoft.com/office/drawing/2010/main" xmlns="" w="9525">
+                <a14:hiddenLine xmlns="" xmlns:a14="http://schemas.microsoft.com/office/drawing/2010/main" w="9525">
                   <a:solidFill>
                     <a:srgbClr val="000000"/>
                   </a:solidFill>
@@ -15228,7 +15292,7 @@
             </a:ln>
             <a:extLst>
               <a:ext uri="{91240B29-F687-4f45-9708-019B960494DF}">
-                <a14:hiddenLine xmlns:a14="http://schemas.microsoft.com/office/drawing/2010/main" xmlns="" w="9525">
+                <a14:hiddenLine xmlns="" xmlns:a14="http://schemas.microsoft.com/office/drawing/2010/main" w="9525">
                   <a:solidFill>
                     <a:srgbClr val="000000"/>
                   </a:solidFill>
@@ -15296,7 +15360,7 @@
             </a:ln>
             <a:extLst>
               <a:ext uri="{91240B29-F687-4f45-9708-019B960494DF}">
-                <a14:hiddenLine xmlns:a14="http://schemas.microsoft.com/office/drawing/2010/main" xmlns="" w="9525">
+                <a14:hiddenLine xmlns="" xmlns:a14="http://schemas.microsoft.com/office/drawing/2010/main" w="9525">
                   <a:solidFill>
                     <a:srgbClr val="000000"/>
                   </a:solidFill>
@@ -15412,7 +15476,7 @@
             </a:ln>
             <a:extLst>
               <a:ext uri="{91240B29-F687-4f45-9708-019B960494DF}">
-                <a14:hiddenLine xmlns:a14="http://schemas.microsoft.com/office/drawing/2010/main" xmlns="" w="9525">
+                <a14:hiddenLine xmlns="" xmlns:a14="http://schemas.microsoft.com/office/drawing/2010/main" w="9525">
                   <a:solidFill>
                     <a:srgbClr val="000000"/>
                   </a:solidFill>
@@ -15480,7 +15544,7 @@
             </a:ln>
             <a:extLst>
               <a:ext uri="{91240B29-F687-4f45-9708-019B960494DF}">
-                <a14:hiddenLine xmlns:a14="http://schemas.microsoft.com/office/drawing/2010/main" xmlns="" w="9525">
+                <a14:hiddenLine xmlns="" xmlns:a14="http://schemas.microsoft.com/office/drawing/2010/main" w="9525">
                   <a:solidFill>
                     <a:srgbClr val="000000"/>
                   </a:solidFill>
@@ -15576,7 +15640,7 @@
             </a:ln>
             <a:extLst>
               <a:ext uri="{91240B29-F687-4f45-9708-019B960494DF}">
-                <a14:hiddenLine xmlns:a14="http://schemas.microsoft.com/office/drawing/2010/main" xmlns="" w="9525">
+                <a14:hiddenLine xmlns="" xmlns:a14="http://schemas.microsoft.com/office/drawing/2010/main" w="9525">
                   <a:solidFill>
                     <a:srgbClr val="000000"/>
                   </a:solidFill>
@@ -15672,7 +15736,7 @@
             </a:ln>
             <a:extLst>
               <a:ext uri="{91240B29-F687-4f45-9708-019B960494DF}">
-                <a14:hiddenLine xmlns:a14="http://schemas.microsoft.com/office/drawing/2010/main" xmlns="" w="9525">
+                <a14:hiddenLine xmlns="" xmlns:a14="http://schemas.microsoft.com/office/drawing/2010/main" w="9525">
                   <a:solidFill>
                     <a:srgbClr val="000000"/>
                   </a:solidFill>
@@ -15740,7 +15804,7 @@
             </a:ln>
             <a:extLst>
               <a:ext uri="{91240B29-F687-4f45-9708-019B960494DF}">
-                <a14:hiddenLine xmlns:a14="http://schemas.microsoft.com/office/drawing/2010/main" xmlns="" w="9525">
+                <a14:hiddenLine xmlns="" xmlns:a14="http://schemas.microsoft.com/office/drawing/2010/main" w="9525">
                   <a:solidFill>
                     <a:srgbClr val="000000"/>
                   </a:solidFill>
@@ -15836,7 +15900,7 @@
             </a:ln>
             <a:extLst>
               <a:ext uri="{91240B29-F687-4f45-9708-019B960494DF}">
-                <a14:hiddenLine xmlns:a14="http://schemas.microsoft.com/office/drawing/2010/main" xmlns="" w="9525">
+                <a14:hiddenLine xmlns="" xmlns:a14="http://schemas.microsoft.com/office/drawing/2010/main" w="9525">
                   <a:solidFill>
                     <a:srgbClr val="000000"/>
                   </a:solidFill>
@@ -15932,7 +15996,7 @@
             </a:ln>
             <a:extLst>
               <a:ext uri="{91240B29-F687-4f45-9708-019B960494DF}">
-                <a14:hiddenLine xmlns:a14="http://schemas.microsoft.com/office/drawing/2010/main" xmlns="" w="9525">
+                <a14:hiddenLine xmlns="" xmlns:a14="http://schemas.microsoft.com/office/drawing/2010/main" w="9525">
                   <a:solidFill>
                     <a:srgbClr val="000000"/>
                   </a:solidFill>
@@ -15994,7 +16058,7 @@
             </a:ln>
             <a:extLst>
               <a:ext uri="{91240B29-F687-4f45-9708-019B960494DF}">
-                <a14:hiddenLine xmlns:a14="http://schemas.microsoft.com/office/drawing/2010/main" xmlns="" w="9525">
+                <a14:hiddenLine xmlns="" xmlns:a14="http://schemas.microsoft.com/office/drawing/2010/main" w="9525">
                   <a:solidFill>
                     <a:srgbClr val="000000"/>
                   </a:solidFill>
@@ -16090,7 +16154,7 @@
             </a:ln>
             <a:extLst>
               <a:ext uri="{91240B29-F687-4f45-9708-019B960494DF}">
-                <a14:hiddenLine xmlns:a14="http://schemas.microsoft.com/office/drawing/2010/main" xmlns="" w="9525">
+                <a14:hiddenLine xmlns="" xmlns:a14="http://schemas.microsoft.com/office/drawing/2010/main" w="9525">
                   <a:solidFill>
                     <a:srgbClr val="000000"/>
                   </a:solidFill>
@@ -16152,7 +16216,7 @@
             </a:ln>
             <a:extLst>
               <a:ext uri="{91240B29-F687-4f45-9708-019B960494DF}">
-                <a14:hiddenLine xmlns:a14="http://schemas.microsoft.com/office/drawing/2010/main" xmlns="" w="9525">
+                <a14:hiddenLine xmlns="" xmlns:a14="http://schemas.microsoft.com/office/drawing/2010/main" w="9525">
                   <a:solidFill>
                     <a:srgbClr val="000000"/>
                   </a:solidFill>
@@ -16248,7 +16312,7 @@
             </a:ln>
             <a:extLst>
               <a:ext uri="{91240B29-F687-4f45-9708-019B960494DF}">
-                <a14:hiddenLine xmlns:a14="http://schemas.microsoft.com/office/drawing/2010/main" xmlns="" w="9525">
+                <a14:hiddenLine xmlns="" xmlns:a14="http://schemas.microsoft.com/office/drawing/2010/main" w="9525">
                   <a:solidFill>
                     <a:srgbClr val="000000"/>
                   </a:solidFill>
@@ -16322,7 +16386,7 @@
             </a:ln>
             <a:extLst>
               <a:ext uri="{91240B29-F687-4f45-9708-019B960494DF}">
-                <a14:hiddenLine xmlns:a14="http://schemas.microsoft.com/office/drawing/2010/main" xmlns="" w="9525">
+                <a14:hiddenLine xmlns="" xmlns:a14="http://schemas.microsoft.com/office/drawing/2010/main" w="9525">
                   <a:solidFill>
                     <a:srgbClr val="000000"/>
                   </a:solidFill>
@@ -16418,7 +16482,7 @@
             </a:ln>
             <a:extLst>
               <a:ext uri="{91240B29-F687-4f45-9708-019B960494DF}">
-                <a14:hiddenLine xmlns:a14="http://schemas.microsoft.com/office/drawing/2010/main" xmlns="" w="9525">
+                <a14:hiddenLine xmlns="" xmlns:a14="http://schemas.microsoft.com/office/drawing/2010/main" w="9525">
                   <a:solidFill>
                     <a:srgbClr val="000000"/>
                   </a:solidFill>
@@ -16492,7 +16556,7 @@
             </a:ln>
             <a:extLst>
               <a:ext uri="{91240B29-F687-4f45-9708-019B960494DF}">
-                <a14:hiddenLine xmlns:a14="http://schemas.microsoft.com/office/drawing/2010/main" xmlns="" w="9525">
+                <a14:hiddenLine xmlns="" xmlns:a14="http://schemas.microsoft.com/office/drawing/2010/main" w="9525">
                   <a:solidFill>
                     <a:srgbClr val="000000"/>
                   </a:solidFill>
@@ -16588,7 +16652,7 @@
             </a:ln>
             <a:extLst>
               <a:ext uri="{91240B29-F687-4f45-9708-019B960494DF}">
-                <a14:hiddenLine xmlns:a14="http://schemas.microsoft.com/office/drawing/2010/main" xmlns="" w="9525">
+                <a14:hiddenLine xmlns="" xmlns:a14="http://schemas.microsoft.com/office/drawing/2010/main" w="9525">
                   <a:solidFill>
                     <a:srgbClr val="000000"/>
                   </a:solidFill>
@@ -16628,7 +16692,7 @@
             </a:ln>
             <a:extLst>
               <a:ext uri="{91240B29-F687-4f45-9708-019B960494DF}">
-                <a14:hiddenLine xmlns:a14="http://schemas.microsoft.com/office/drawing/2010/main" xmlns="" w="9525">
+                <a14:hiddenLine xmlns="" xmlns:a14="http://schemas.microsoft.com/office/drawing/2010/main" w="9525">
                   <a:solidFill>
                     <a:srgbClr val="000000"/>
                   </a:solidFill>
@@ -16724,7 +16788,7 @@
             </a:ln>
             <a:extLst>
               <a:ext uri="{91240B29-F687-4f45-9708-019B960494DF}">
-                <a14:hiddenLine xmlns:a14="http://schemas.microsoft.com/office/drawing/2010/main" xmlns="" w="9525">
+                <a14:hiddenLine xmlns="" xmlns:a14="http://schemas.microsoft.com/office/drawing/2010/main" w="9525">
                   <a:solidFill>
                     <a:srgbClr val="000000"/>
                   </a:solidFill>
@@ -16792,7 +16856,7 @@
             </a:ln>
             <a:extLst>
               <a:ext uri="{91240B29-F687-4f45-9708-019B960494DF}">
-                <a14:hiddenLine xmlns:a14="http://schemas.microsoft.com/office/drawing/2010/main" xmlns="" w="9525">
+                <a14:hiddenLine xmlns="" xmlns:a14="http://schemas.microsoft.com/office/drawing/2010/main" w="9525">
                   <a:solidFill>
                     <a:srgbClr val="000000"/>
                   </a:solidFill>
@@ -16860,7 +16924,7 @@
             </a:ln>
             <a:extLst>
               <a:ext uri="{91240B29-F687-4f45-9708-019B960494DF}">
-                <a14:hiddenLine xmlns:a14="http://schemas.microsoft.com/office/drawing/2010/main" xmlns="" w="9525">
+                <a14:hiddenLine xmlns="" xmlns:a14="http://schemas.microsoft.com/office/drawing/2010/main" w="9525">
                   <a:solidFill>
                     <a:srgbClr val="000000"/>
                   </a:solidFill>
@@ -16956,7 +17020,7 @@
             </a:ln>
             <a:extLst>
               <a:ext uri="{91240B29-F687-4f45-9708-019B960494DF}">
-                <a14:hiddenLine xmlns:a14="http://schemas.microsoft.com/office/drawing/2010/main" xmlns="" w="9525">
+                <a14:hiddenLine xmlns="" xmlns:a14="http://schemas.microsoft.com/office/drawing/2010/main" w="9525">
                   <a:solidFill>
                     <a:srgbClr val="000000"/>
                   </a:solidFill>
@@ -17030,7 +17094,7 @@
             </a:ln>
             <a:extLst>
               <a:ext uri="{91240B29-F687-4f45-9708-019B960494DF}">
-                <a14:hiddenLine xmlns:a14="http://schemas.microsoft.com/office/drawing/2010/main" xmlns="" w="9525">
+                <a14:hiddenLine xmlns="" xmlns:a14="http://schemas.microsoft.com/office/drawing/2010/main" w="9525">
                   <a:solidFill>
                     <a:srgbClr val="000000"/>
                   </a:solidFill>
@@ -17098,7 +17162,7 @@
             </a:ln>
             <a:extLst>
               <a:ext uri="{91240B29-F687-4f45-9708-019B960494DF}">
-                <a14:hiddenLine xmlns:a14="http://schemas.microsoft.com/office/drawing/2010/main" xmlns="" w="9525">
+                <a14:hiddenLine xmlns="" xmlns:a14="http://schemas.microsoft.com/office/drawing/2010/main" w="9525">
                   <a:solidFill>
                     <a:srgbClr val="000000"/>
                   </a:solidFill>
@@ -17194,7 +17258,7 @@
             </a:ln>
             <a:extLst>
               <a:ext uri="{91240B29-F687-4f45-9708-019B960494DF}">
-                <a14:hiddenLine xmlns:a14="http://schemas.microsoft.com/office/drawing/2010/main" xmlns="" w="9525">
+                <a14:hiddenLine xmlns="" xmlns:a14="http://schemas.microsoft.com/office/drawing/2010/main" w="9525">
                   <a:solidFill>
                     <a:srgbClr val="000000"/>
                   </a:solidFill>
@@ -17262,7 +17326,7 @@
             </a:ln>
             <a:extLst>
               <a:ext uri="{91240B29-F687-4f45-9708-019B960494DF}">
-                <a14:hiddenLine xmlns:a14="http://schemas.microsoft.com/office/drawing/2010/main" xmlns="" w="9525">
+                <a14:hiddenLine xmlns="" xmlns:a14="http://schemas.microsoft.com/office/drawing/2010/main" w="9525">
                   <a:solidFill>
                     <a:srgbClr val="000000"/>
                   </a:solidFill>
@@ -17358,7 +17422,7 @@
             </a:ln>
             <a:extLst>
               <a:ext uri="{91240B29-F687-4f45-9708-019B960494DF}">
-                <a14:hiddenLine xmlns:a14="http://schemas.microsoft.com/office/drawing/2010/main" xmlns="" w="9525">
+                <a14:hiddenLine xmlns="" xmlns:a14="http://schemas.microsoft.com/office/drawing/2010/main" w="9525">
                   <a:solidFill>
                     <a:srgbClr val="000000"/>
                   </a:solidFill>
@@ -17426,7 +17490,7 @@
             </a:ln>
             <a:extLst>
               <a:ext uri="{91240B29-F687-4f45-9708-019B960494DF}">
-                <a14:hiddenLine xmlns:a14="http://schemas.microsoft.com/office/drawing/2010/main" xmlns="" w="9525">
+                <a14:hiddenLine xmlns="" xmlns:a14="http://schemas.microsoft.com/office/drawing/2010/main" w="9525">
                   <a:solidFill>
                     <a:srgbClr val="000000"/>
                   </a:solidFill>
@@ -17522,7 +17586,7 @@
             </a:ln>
             <a:extLst>
               <a:ext uri="{91240B29-F687-4f45-9708-019B960494DF}">
-                <a14:hiddenLine xmlns:a14="http://schemas.microsoft.com/office/drawing/2010/main" xmlns="" w="9525">
+                <a14:hiddenLine xmlns="" xmlns:a14="http://schemas.microsoft.com/office/drawing/2010/main" w="9525">
                   <a:solidFill>
                     <a:srgbClr val="000000"/>
                   </a:solidFill>
@@ -17562,7 +17626,7 @@
             </a:ln>
             <a:extLst>
               <a:ext uri="{91240B29-F687-4f45-9708-019B960494DF}">
-                <a14:hiddenLine xmlns:a14="http://schemas.microsoft.com/office/drawing/2010/main" xmlns="" w="9525">
+                <a14:hiddenLine xmlns="" xmlns:a14="http://schemas.microsoft.com/office/drawing/2010/main" w="9525">
                   <a:solidFill>
                     <a:srgbClr val="000000"/>
                   </a:solidFill>
@@ -17633,7 +17697,7 @@
             </a:ln>
             <a:extLst>
               <a:ext uri="{91240B29-F687-4f45-9708-019B960494DF}">
-                <a14:hiddenLine xmlns:a14="http://schemas.microsoft.com/office/drawing/2010/main" xmlns="" w="9525">
+                <a14:hiddenLine xmlns="" xmlns:a14="http://schemas.microsoft.com/office/drawing/2010/main" w="9525">
                   <a:solidFill>
                     <a:srgbClr val="000000"/>
                   </a:solidFill>
@@ -17729,7 +17793,7 @@
             </a:ln>
             <a:extLst>
               <a:ext uri="{91240B29-F687-4f45-9708-019B960494DF}">
-                <a14:hiddenLine xmlns:a14="http://schemas.microsoft.com/office/drawing/2010/main" xmlns="" w="9525">
+                <a14:hiddenLine xmlns="" xmlns:a14="http://schemas.microsoft.com/office/drawing/2010/main" w="9525">
                   <a:solidFill>
                     <a:srgbClr val="000000"/>
                   </a:solidFill>
@@ -17797,7 +17861,7 @@
             </a:ln>
             <a:extLst>
               <a:ext uri="{91240B29-F687-4f45-9708-019B960494DF}">
-                <a14:hiddenLine xmlns:a14="http://schemas.microsoft.com/office/drawing/2010/main" xmlns="" w="9525">
+                <a14:hiddenLine xmlns="" xmlns:a14="http://schemas.microsoft.com/office/drawing/2010/main" w="9525">
                   <a:solidFill>
                     <a:srgbClr val="000000"/>
                   </a:solidFill>
@@ -17893,7 +17957,7 @@
             </a:ln>
             <a:extLst>
               <a:ext uri="{91240B29-F687-4f45-9708-019B960494DF}">
-                <a14:hiddenLine xmlns:a14="http://schemas.microsoft.com/office/drawing/2010/main" xmlns="" w="9525">
+                <a14:hiddenLine xmlns="" xmlns:a14="http://schemas.microsoft.com/office/drawing/2010/main" w="9525">
                   <a:solidFill>
                     <a:srgbClr val="000000"/>
                   </a:solidFill>
@@ -17989,7 +18053,7 @@
             </a:ln>
             <a:extLst>
               <a:ext uri="{91240B29-F687-4f45-9708-019B960494DF}">
-                <a14:hiddenLine xmlns:a14="http://schemas.microsoft.com/office/drawing/2010/main" xmlns="" w="9525">
+                <a14:hiddenLine xmlns="" xmlns:a14="http://schemas.microsoft.com/office/drawing/2010/main" w="9525">
                   <a:solidFill>
                     <a:srgbClr val="000000"/>
                   </a:solidFill>
@@ -18060,7 +18124,7 @@
             </a:ln>
             <a:extLst>
               <a:ext uri="{91240B29-F687-4f45-9708-019B960494DF}">
-                <a14:hiddenLine xmlns:a14="http://schemas.microsoft.com/office/drawing/2010/main" xmlns="" w="9525">
+                <a14:hiddenLine xmlns="" xmlns:a14="http://schemas.microsoft.com/office/drawing/2010/main" w="9525">
                   <a:solidFill>
                     <a:srgbClr val="000000"/>
                   </a:solidFill>
@@ -18128,7 +18192,7 @@
             </a:ln>
             <a:extLst>
               <a:ext uri="{91240B29-F687-4f45-9708-019B960494DF}">
-                <a14:hiddenLine xmlns:a14="http://schemas.microsoft.com/office/drawing/2010/main" xmlns="" w="9525">
+                <a14:hiddenLine xmlns="" xmlns:a14="http://schemas.microsoft.com/office/drawing/2010/main" w="9525">
                   <a:solidFill>
                     <a:srgbClr val="000000"/>
                   </a:solidFill>
@@ -18224,7 +18288,7 @@
             </a:ln>
             <a:extLst>
               <a:ext uri="{91240B29-F687-4f45-9708-019B960494DF}">
-                <a14:hiddenLine xmlns:a14="http://schemas.microsoft.com/office/drawing/2010/main" xmlns="" w="9525">
+                <a14:hiddenLine xmlns="" xmlns:a14="http://schemas.microsoft.com/office/drawing/2010/main" w="9525">
                   <a:solidFill>
                     <a:srgbClr val="000000"/>
                   </a:solidFill>
@@ -18320,7 +18384,7 @@
             </a:ln>
             <a:extLst>
               <a:ext uri="{91240B29-F687-4f45-9708-019B960494DF}">
-                <a14:hiddenLine xmlns:a14="http://schemas.microsoft.com/office/drawing/2010/main" xmlns="" w="9525">
+                <a14:hiddenLine xmlns="" xmlns:a14="http://schemas.microsoft.com/office/drawing/2010/main" w="9525">
                   <a:solidFill>
                     <a:srgbClr val="000000"/>
                   </a:solidFill>
@@ -18388,7 +18452,7 @@
             </a:ln>
             <a:extLst>
               <a:ext uri="{91240B29-F687-4f45-9708-019B960494DF}">
-                <a14:hiddenLine xmlns:a14="http://schemas.microsoft.com/office/drawing/2010/main" xmlns="" w="9525">
+                <a14:hiddenLine xmlns="" xmlns:a14="http://schemas.microsoft.com/office/drawing/2010/main" w="9525">
                   <a:solidFill>
                     <a:srgbClr val="000000"/>
                   </a:solidFill>
@@ -18514,7 +18578,7 @@
             </a:ln>
             <a:extLst>
               <a:ext uri="{91240B29-F687-4f45-9708-019B960494DF}">
-                <a14:hiddenLine xmlns:a14="http://schemas.microsoft.com/office/drawing/2010/main" xmlns="" w="9525">
+                <a14:hiddenLine xmlns="" xmlns:a14="http://schemas.microsoft.com/office/drawing/2010/main" w="9525">
                   <a:solidFill>
                     <a:srgbClr val="000000"/>
                   </a:solidFill>
@@ -18588,7 +18652,7 @@
             </a:ln>
             <a:extLst>
               <a:ext uri="{91240B29-F687-4f45-9708-019B960494DF}">
-                <a14:hiddenLine xmlns:a14="http://schemas.microsoft.com/office/drawing/2010/main" xmlns="" w="9525">
+                <a14:hiddenLine xmlns="" xmlns:a14="http://schemas.microsoft.com/office/drawing/2010/main" w="9525">
                   <a:solidFill>
                     <a:srgbClr val="000000"/>
                   </a:solidFill>
@@ -18684,7 +18748,7 @@
             </a:ln>
             <a:extLst>
               <a:ext uri="{91240B29-F687-4f45-9708-019B960494DF}">
-                <a14:hiddenLine xmlns:a14="http://schemas.microsoft.com/office/drawing/2010/main" xmlns="" w="9525">
+                <a14:hiddenLine xmlns="" xmlns:a14="http://schemas.microsoft.com/office/drawing/2010/main" w="9525">
                   <a:solidFill>
                     <a:srgbClr val="000000"/>
                   </a:solidFill>
@@ -18824,7 +18888,6 @@
               <a:rPr lang="en-US" sz="4800"/>
               <a:t>mvvm</a:t>
             </a:r>
-            <a:endParaRPr lang="en-US" sz="4800"/>
           </a:p>
         </p:txBody>
       </p:sp>
